--- a/figs/tcosts.pptx
+++ b/figs/tcosts.pptx
@@ -243,7 +243,7 @@
           <a:p>
             <a:fld id="{97DE1D55-952D-B94C-BF55-3958F6DCAFA0}" type="datetimeFigureOut">
               <a:rPr lang="en-US" smtClean="0"/>
-              <a:t>11/27/18</a:t>
+              <a:t>12/5/18</a:t>
             </a:fld>
             <a:endParaRPr lang="en-US"/>
           </a:p>
@@ -413,7 +413,7 @@
           <a:p>
             <a:fld id="{97DE1D55-952D-B94C-BF55-3958F6DCAFA0}" type="datetimeFigureOut">
               <a:rPr lang="en-US" smtClean="0"/>
-              <a:t>11/27/18</a:t>
+              <a:t>12/5/18</a:t>
             </a:fld>
             <a:endParaRPr lang="en-US"/>
           </a:p>
@@ -593,7 +593,7 @@
           <a:p>
             <a:fld id="{97DE1D55-952D-B94C-BF55-3958F6DCAFA0}" type="datetimeFigureOut">
               <a:rPr lang="en-US" smtClean="0"/>
-              <a:t>11/27/18</a:t>
+              <a:t>12/5/18</a:t>
             </a:fld>
             <a:endParaRPr lang="en-US"/>
           </a:p>
@@ -763,7 +763,7 @@
           <a:p>
             <a:fld id="{97DE1D55-952D-B94C-BF55-3958F6DCAFA0}" type="datetimeFigureOut">
               <a:rPr lang="en-US" smtClean="0"/>
-              <a:t>11/27/18</a:t>
+              <a:t>12/5/18</a:t>
             </a:fld>
             <a:endParaRPr lang="en-US"/>
           </a:p>
@@ -1007,7 +1007,7 @@
           <a:p>
             <a:fld id="{97DE1D55-952D-B94C-BF55-3958F6DCAFA0}" type="datetimeFigureOut">
               <a:rPr lang="en-US" smtClean="0"/>
-              <a:t>11/27/18</a:t>
+              <a:t>12/5/18</a:t>
             </a:fld>
             <a:endParaRPr lang="en-US"/>
           </a:p>
@@ -1239,7 +1239,7 @@
           <a:p>
             <a:fld id="{97DE1D55-952D-B94C-BF55-3958F6DCAFA0}" type="datetimeFigureOut">
               <a:rPr lang="en-US" smtClean="0"/>
-              <a:t>11/27/18</a:t>
+              <a:t>12/5/18</a:t>
             </a:fld>
             <a:endParaRPr lang="en-US"/>
           </a:p>
@@ -1606,7 +1606,7 @@
           <a:p>
             <a:fld id="{97DE1D55-952D-B94C-BF55-3958F6DCAFA0}" type="datetimeFigureOut">
               <a:rPr lang="en-US" smtClean="0"/>
-              <a:t>11/27/18</a:t>
+              <a:t>12/5/18</a:t>
             </a:fld>
             <a:endParaRPr lang="en-US"/>
           </a:p>
@@ -1724,7 +1724,7 @@
           <a:p>
             <a:fld id="{97DE1D55-952D-B94C-BF55-3958F6DCAFA0}" type="datetimeFigureOut">
               <a:rPr lang="en-US" smtClean="0"/>
-              <a:t>11/27/18</a:t>
+              <a:t>12/5/18</a:t>
             </a:fld>
             <a:endParaRPr lang="en-US"/>
           </a:p>
@@ -1819,7 +1819,7 @@
           <a:p>
             <a:fld id="{97DE1D55-952D-B94C-BF55-3958F6DCAFA0}" type="datetimeFigureOut">
               <a:rPr lang="en-US" smtClean="0"/>
-              <a:t>11/27/18</a:t>
+              <a:t>12/5/18</a:t>
             </a:fld>
             <a:endParaRPr lang="en-US"/>
           </a:p>
@@ -2096,7 +2096,7 @@
           <a:p>
             <a:fld id="{97DE1D55-952D-B94C-BF55-3958F6DCAFA0}" type="datetimeFigureOut">
               <a:rPr lang="en-US" smtClean="0"/>
-              <a:t>11/27/18</a:t>
+              <a:t>12/5/18</a:t>
             </a:fld>
             <a:endParaRPr lang="en-US"/>
           </a:p>
@@ -2353,7 +2353,7 @@
           <a:p>
             <a:fld id="{97DE1D55-952D-B94C-BF55-3958F6DCAFA0}" type="datetimeFigureOut">
               <a:rPr lang="en-US" smtClean="0"/>
-              <a:t>11/27/18</a:t>
+              <a:t>12/5/18</a:t>
             </a:fld>
             <a:endParaRPr lang="en-US"/>
           </a:p>
@@ -2566,7 +2566,7 @@
           <a:p>
             <a:fld id="{97DE1D55-952D-B94C-BF55-3958F6DCAFA0}" type="datetimeFigureOut">
               <a:rPr lang="en-US" smtClean="0"/>
-              <a:t>11/27/18</a:t>
+              <a:t>12/5/18</a:t>
             </a:fld>
             <a:endParaRPr lang="en-US"/>
           </a:p>
@@ -4454,8 +4454,8 @@
           </p:sp>
         </mc:Fallback>
       </mc:AlternateContent>
-      <mc:AlternateContent xmlns:mc="http://schemas.openxmlformats.org/markup-compatibility/2006" xmlns:a14="http://schemas.microsoft.com/office/drawing/2010/main">
-        <mc:Choice Requires="a14">
+      <mc:AlternateContent xmlns:mc="http://schemas.openxmlformats.org/markup-compatibility/2006">
+        <mc:Choice xmlns:a14="http://schemas.microsoft.com/office/drawing/2010/main" Requires="a14">
           <p:sp>
             <p:nvSpPr>
               <p:cNvPr id="25" name="TextBox 24">
@@ -4501,10 +4501,11 @@
                         </m:sSubPr>
                         <m:e>
                           <m:r>
-                            <a:rPr lang="en-US" sz="2400" b="0" i="1" smtClean="0">
+                            <a:rPr lang="en-US" sz="2400" i="1">
                               <a:latin typeface="Cambria Math" panose="02040503050406030204" pitchFamily="18" charset="0"/>
+                              <a:ea typeface="Cambria Math" panose="02040503050406030204" pitchFamily="18" charset="0"/>
                             </a:rPr>
-                            <m:t>𝛾</m:t>
+                            <m:t>𝜌</m:t>
                           </m:r>
                         </m:e>
                         <m:sub>
@@ -4524,7 +4525,7 @@
             </p:txBody>
           </p:sp>
         </mc:Choice>
-        <mc:Fallback xmlns="">
+        <mc:Fallback>
           <p:sp>
             <p:nvSpPr>
               <p:cNvPr id="25" name="TextBox 24">
@@ -4984,8 +4985,8 @@
           </a:p>
         </p:txBody>
       </p:sp>
-      <mc:AlternateContent xmlns:mc="http://schemas.openxmlformats.org/markup-compatibility/2006" xmlns:a14="http://schemas.microsoft.com/office/drawing/2010/main">
-        <mc:Choice Requires="a14">
+      <mc:AlternateContent xmlns:mc="http://schemas.openxmlformats.org/markup-compatibility/2006">
+        <mc:Choice xmlns:a14="http://schemas.microsoft.com/office/drawing/2010/main" Requires="a14">
           <p:sp>
             <p:nvSpPr>
               <p:cNvPr id="38" name="TextBox 37">
@@ -5033,8 +5034,9 @@
                           <m:r>
                             <a:rPr lang="en-US" sz="2400" b="0" i="1" smtClean="0">
                               <a:latin typeface="Cambria Math" panose="02040503050406030204" pitchFamily="18" charset="0"/>
+                              <a:ea typeface="Cambria Math" panose="02040503050406030204" pitchFamily="18" charset="0"/>
                             </a:rPr>
-                            <m:t>𝛾</m:t>
+                            <m:t>𝜌</m:t>
                           </m:r>
                         </m:e>
                         <m:sub>
@@ -5054,7 +5056,7 @@
             </p:txBody>
           </p:sp>
         </mc:Choice>
-        <mc:Fallback xmlns="">
+        <mc:Fallback>
           <p:sp>
             <p:nvSpPr>
               <p:cNvPr id="38" name="TextBox 37">
